--- a/L01P01 - Smartlab IOT - Flowcharts - Edublocks/L01P01 - Week 01 - Flowcharts/L01P01 - Week 01 - Les2 - Stroomdiagram.pptx
+++ b/L01P01 - Smartlab IOT - Flowcharts - Edublocks/L01P01 - Week 01 - Flowcharts/L01P01 - Week 01 - Les2 - Stroomdiagram.pptx
@@ -138,192 +138,6 @@
 
 <file path=ppt/changesInfos/changesInfo1.xml><?xml version="1.0" encoding="utf-8"?>
 <pc:chgInfo xmlns:a="http://schemas.openxmlformats.org/drawingml/2006/main" xmlns:r="http://schemas.openxmlformats.org/officeDocument/2006/relationships" xmlns:ac="http://schemas.microsoft.com/office/drawing/2013/main/command" xmlns:pc="http://schemas.microsoft.com/office/powerpoint/2013/main/command">
-  <pc:docChgLst>
-    <pc:chgData name="Arjan Kamberg" userId="2cfeac95-aab1-41a7-bca5-796b19d85bc0" providerId="ADAL" clId="{7D594A4A-9682-5546-8E69-CEDB28ED606A}"/>
-    <pc:docChg chg="undo custSel addSld modSld">
-      <pc:chgData name="Arjan Kamberg" userId="2cfeac95-aab1-41a7-bca5-796b19d85bc0" providerId="ADAL" clId="{7D594A4A-9682-5546-8E69-CEDB28ED606A}" dt="2020-09-14T21:09:13.134" v="397" actId="20577"/>
-      <pc:docMkLst>
-        <pc:docMk/>
-      </pc:docMkLst>
-      <pc:sldChg chg="modSp mod">
-        <pc:chgData name="Arjan Kamberg" userId="2cfeac95-aab1-41a7-bca5-796b19d85bc0" providerId="ADAL" clId="{7D594A4A-9682-5546-8E69-CEDB28ED606A}" dt="2020-09-08T13:11:09.047" v="364" actId="20577"/>
-        <pc:sldMkLst>
-          <pc:docMk/>
-          <pc:sldMk cId="2079639833" sldId="385"/>
-        </pc:sldMkLst>
-        <pc:spChg chg="mod">
-          <ac:chgData name="Arjan Kamberg" userId="2cfeac95-aab1-41a7-bca5-796b19d85bc0" providerId="ADAL" clId="{7D594A4A-9682-5546-8E69-CEDB28ED606A}" dt="2020-09-08T13:11:09.047" v="364" actId="20577"/>
-          <ac:spMkLst>
-            <pc:docMk/>
-            <pc:sldMk cId="2079639833" sldId="385"/>
-            <ac:spMk id="3" creationId="{2F9B5370-916E-BA46-9E34-8AD7FA2DF706}"/>
-          </ac:spMkLst>
-        </pc:spChg>
-      </pc:sldChg>
-      <pc:sldChg chg="addSp modSp mod">
-        <pc:chgData name="Arjan Kamberg" userId="2cfeac95-aab1-41a7-bca5-796b19d85bc0" providerId="ADAL" clId="{7D594A4A-9682-5546-8E69-CEDB28ED606A}" dt="2020-09-08T13:05:49.329" v="283" actId="1076"/>
-        <pc:sldMkLst>
-          <pc:docMk/>
-          <pc:sldMk cId="3219611341" sldId="387"/>
-        </pc:sldMkLst>
-        <pc:spChg chg="add mod">
-          <ac:chgData name="Arjan Kamberg" userId="2cfeac95-aab1-41a7-bca5-796b19d85bc0" providerId="ADAL" clId="{7D594A4A-9682-5546-8E69-CEDB28ED606A}" dt="2020-09-08T13:05:49.329" v="283" actId="1076"/>
-          <ac:spMkLst>
-            <pc:docMk/>
-            <pc:sldMk cId="3219611341" sldId="387"/>
-            <ac:spMk id="3" creationId="{00517CB4-31A1-544F-8264-26ABFC710CFB}"/>
-          </ac:spMkLst>
-        </pc:spChg>
-      </pc:sldChg>
-      <pc:sldChg chg="addSp modSp add mod">
-        <pc:chgData name="Arjan Kamberg" userId="2cfeac95-aab1-41a7-bca5-796b19d85bc0" providerId="ADAL" clId="{7D594A4A-9682-5546-8E69-CEDB28ED606A}" dt="2020-09-14T21:03:08.339" v="370" actId="1076"/>
-        <pc:sldMkLst>
-          <pc:docMk/>
-          <pc:sldMk cId="1531702595" sldId="388"/>
-        </pc:sldMkLst>
-        <pc:spChg chg="mod">
-          <ac:chgData name="Arjan Kamberg" userId="2cfeac95-aab1-41a7-bca5-796b19d85bc0" providerId="ADAL" clId="{7D594A4A-9682-5546-8E69-CEDB28ED606A}" dt="2020-09-08T13:02:35.223" v="32" actId="20577"/>
-          <ac:spMkLst>
-            <pc:docMk/>
-            <pc:sldMk cId="1531702595" sldId="388"/>
-            <ac:spMk id="2" creationId="{BAF02143-F2D9-624E-9B23-F93E69404899}"/>
-          </ac:spMkLst>
-        </pc:spChg>
-        <pc:picChg chg="add mod">
-          <ac:chgData name="Arjan Kamberg" userId="2cfeac95-aab1-41a7-bca5-796b19d85bc0" providerId="ADAL" clId="{7D594A4A-9682-5546-8E69-CEDB28ED606A}" dt="2020-09-14T21:03:08.339" v="370" actId="1076"/>
-          <ac:picMkLst>
-            <pc:docMk/>
-            <pc:sldMk cId="1531702595" sldId="388"/>
-            <ac:picMk id="4" creationId="{C5EC4FF8-09FE-3141-A4E5-72E58A4725F0}"/>
-          </ac:picMkLst>
-        </pc:picChg>
-      </pc:sldChg>
-      <pc:sldChg chg="addSp modSp add mod">
-        <pc:chgData name="Arjan Kamberg" userId="2cfeac95-aab1-41a7-bca5-796b19d85bc0" providerId="ADAL" clId="{7D594A4A-9682-5546-8E69-CEDB28ED606A}" dt="2020-09-08T13:05:07.865" v="199" actId="20577"/>
-        <pc:sldMkLst>
-          <pc:docMk/>
-          <pc:sldMk cId="3170996453" sldId="389"/>
-        </pc:sldMkLst>
-        <pc:spChg chg="mod">
-          <ac:chgData name="Arjan Kamberg" userId="2cfeac95-aab1-41a7-bca5-796b19d85bc0" providerId="ADAL" clId="{7D594A4A-9682-5546-8E69-CEDB28ED606A}" dt="2020-09-08T13:03:42.301" v="38" actId="20577"/>
-          <ac:spMkLst>
-            <pc:docMk/>
-            <pc:sldMk cId="3170996453" sldId="389"/>
-            <ac:spMk id="2" creationId="{AE4BB122-1E84-F248-9479-E30E2A3D5A4A}"/>
-          </ac:spMkLst>
-        </pc:spChg>
-        <pc:spChg chg="mod">
-          <ac:chgData name="Arjan Kamberg" userId="2cfeac95-aab1-41a7-bca5-796b19d85bc0" providerId="ADAL" clId="{7D594A4A-9682-5546-8E69-CEDB28ED606A}" dt="2020-09-08T13:05:07.865" v="199" actId="20577"/>
-          <ac:spMkLst>
-            <pc:docMk/>
-            <pc:sldMk cId="3170996453" sldId="389"/>
-            <ac:spMk id="3" creationId="{B41CCB11-4729-C342-AE66-F23A5F447CDF}"/>
-          </ac:spMkLst>
-        </pc:spChg>
-        <pc:picChg chg="add mod">
-          <ac:chgData name="Arjan Kamberg" userId="2cfeac95-aab1-41a7-bca5-796b19d85bc0" providerId="ADAL" clId="{7D594A4A-9682-5546-8E69-CEDB28ED606A}" dt="2020-09-08T13:05:05.783" v="198" actId="1076"/>
-          <ac:picMkLst>
-            <pc:docMk/>
-            <pc:sldMk cId="3170996453" sldId="389"/>
-            <ac:picMk id="4" creationId="{45FB70FF-506C-FD43-BD1D-01CF6A502732}"/>
-          </ac:picMkLst>
-        </pc:picChg>
-      </pc:sldChg>
-      <pc:sldChg chg="addSp delSp modSp add mod">
-        <pc:chgData name="Arjan Kamberg" userId="2cfeac95-aab1-41a7-bca5-796b19d85bc0" providerId="ADAL" clId="{7D594A4A-9682-5546-8E69-CEDB28ED606A}" dt="2020-09-14T21:04:40.907" v="378" actId="14100"/>
-        <pc:sldMkLst>
-          <pc:docMk/>
-          <pc:sldMk cId="2836665410" sldId="390"/>
-        </pc:sldMkLst>
-        <pc:spChg chg="del">
-          <ac:chgData name="Arjan Kamberg" userId="2cfeac95-aab1-41a7-bca5-796b19d85bc0" providerId="ADAL" clId="{7D594A4A-9682-5546-8E69-CEDB28ED606A}" dt="2020-09-14T21:04:27.645" v="373"/>
-          <ac:spMkLst>
-            <pc:docMk/>
-            <pc:sldMk cId="2836665410" sldId="390"/>
-            <ac:spMk id="3" creationId="{7BF09B58-9D72-744F-9831-C341D5FE727F}"/>
-          </ac:spMkLst>
-        </pc:spChg>
-        <pc:picChg chg="del">
-          <ac:chgData name="Arjan Kamberg" userId="2cfeac95-aab1-41a7-bca5-796b19d85bc0" providerId="ADAL" clId="{7D594A4A-9682-5546-8E69-CEDB28ED606A}" dt="2020-09-14T21:03:25.844" v="372" actId="478"/>
-          <ac:picMkLst>
-            <pc:docMk/>
-            <pc:sldMk cId="2836665410" sldId="390"/>
-            <ac:picMk id="4" creationId="{C5EC4FF8-09FE-3141-A4E5-72E58A4725F0}"/>
-          </ac:picMkLst>
-        </pc:picChg>
-        <pc:picChg chg="add mod">
-          <ac:chgData name="Arjan Kamberg" userId="2cfeac95-aab1-41a7-bca5-796b19d85bc0" providerId="ADAL" clId="{7D594A4A-9682-5546-8E69-CEDB28ED606A}" dt="2020-09-14T21:04:40.907" v="378" actId="14100"/>
-          <ac:picMkLst>
-            <pc:docMk/>
-            <pc:sldMk cId="2836665410" sldId="390"/>
-            <ac:picMk id="6" creationId="{9D00D555-B8B4-1E4C-84DD-D6CB7394FC51}"/>
-          </ac:picMkLst>
-        </pc:picChg>
-      </pc:sldChg>
-      <pc:sldChg chg="addSp delSp modSp add mod">
-        <pc:chgData name="Arjan Kamberg" userId="2cfeac95-aab1-41a7-bca5-796b19d85bc0" providerId="ADAL" clId="{7D594A4A-9682-5546-8E69-CEDB28ED606A}" dt="2020-09-14T21:05:53.755" v="387" actId="478"/>
-        <pc:sldMkLst>
-          <pc:docMk/>
-          <pc:sldMk cId="2213207011" sldId="391"/>
-        </pc:sldMkLst>
-        <pc:spChg chg="mod">
-          <ac:chgData name="Arjan Kamberg" userId="2cfeac95-aab1-41a7-bca5-796b19d85bc0" providerId="ADAL" clId="{7D594A4A-9682-5546-8E69-CEDB28ED606A}" dt="2020-09-14T21:05:43.900" v="385" actId="20577"/>
-          <ac:spMkLst>
-            <pc:docMk/>
-            <pc:sldMk cId="2213207011" sldId="391"/>
-            <ac:spMk id="2" creationId="{BAF02143-F2D9-624E-9B23-F93E69404899}"/>
-          </ac:spMkLst>
-        </pc:spChg>
-        <pc:spChg chg="add del mod">
-          <ac:chgData name="Arjan Kamberg" userId="2cfeac95-aab1-41a7-bca5-796b19d85bc0" providerId="ADAL" clId="{7D594A4A-9682-5546-8E69-CEDB28ED606A}" dt="2020-09-14T21:05:53.755" v="387" actId="478"/>
-          <ac:spMkLst>
-            <pc:docMk/>
-            <pc:sldMk cId="2213207011" sldId="391"/>
-            <ac:spMk id="4" creationId="{D995D761-C247-E34C-A99F-6F32AD33BA6A}"/>
-          </ac:spMkLst>
-        </pc:spChg>
-        <pc:picChg chg="add mod">
-          <ac:chgData name="Arjan Kamberg" userId="2cfeac95-aab1-41a7-bca5-796b19d85bc0" providerId="ADAL" clId="{7D594A4A-9682-5546-8E69-CEDB28ED606A}" dt="2020-09-14T21:05:36.721" v="382" actId="1076"/>
-          <ac:picMkLst>
-            <pc:docMk/>
-            <pc:sldMk cId="2213207011" sldId="391"/>
-            <ac:picMk id="5" creationId="{007ACA8C-5BAA-0747-9EDB-D5851E474B4A}"/>
-          </ac:picMkLst>
-        </pc:picChg>
-        <pc:picChg chg="del">
-          <ac:chgData name="Arjan Kamberg" userId="2cfeac95-aab1-41a7-bca5-796b19d85bc0" providerId="ADAL" clId="{7D594A4A-9682-5546-8E69-CEDB28ED606A}" dt="2020-09-14T21:04:52.454" v="380" actId="478"/>
-          <ac:picMkLst>
-            <pc:docMk/>
-            <pc:sldMk cId="2213207011" sldId="391"/>
-            <ac:picMk id="6" creationId="{9D00D555-B8B4-1E4C-84DD-D6CB7394FC51}"/>
-          </ac:picMkLst>
-        </pc:picChg>
-      </pc:sldChg>
-      <pc:sldChg chg="addSp delSp modSp add mod modNotesTx">
-        <pc:chgData name="Arjan Kamberg" userId="2cfeac95-aab1-41a7-bca5-796b19d85bc0" providerId="ADAL" clId="{7D594A4A-9682-5546-8E69-CEDB28ED606A}" dt="2020-09-14T21:09:13.134" v="397" actId="20577"/>
-        <pc:sldMkLst>
-          <pc:docMk/>
-          <pc:sldMk cId="603019523" sldId="392"/>
-        </pc:sldMkLst>
-        <pc:picChg chg="add mod">
-          <ac:chgData name="Arjan Kamberg" userId="2cfeac95-aab1-41a7-bca5-796b19d85bc0" providerId="ADAL" clId="{7D594A4A-9682-5546-8E69-CEDB28ED606A}" dt="2020-09-14T21:07:06.412" v="393" actId="1076"/>
-          <ac:picMkLst>
-            <pc:docMk/>
-            <pc:sldMk cId="603019523" sldId="392"/>
-            <ac:picMk id="3" creationId="{92F3E386-16EB-944E-A8C3-98F0EAAD0362}"/>
-          </ac:picMkLst>
-        </pc:picChg>
-        <pc:picChg chg="del">
-          <ac:chgData name="Arjan Kamberg" userId="2cfeac95-aab1-41a7-bca5-796b19d85bc0" providerId="ADAL" clId="{7D594A4A-9682-5546-8E69-CEDB28ED606A}" dt="2020-09-14T21:07:00.600" v="389" actId="478"/>
-          <ac:picMkLst>
-            <pc:docMk/>
-            <pc:sldMk cId="603019523" sldId="392"/>
-            <ac:picMk id="5" creationId="{007ACA8C-5BAA-0747-9EDB-D5851E474B4A}"/>
-          </ac:picMkLst>
-        </pc:picChg>
-      </pc:sldChg>
-    </pc:docChg>
-  </pc:docChgLst>
   <pc:docChgLst>
     <pc:chgData name="Arjan Kamberg" userId="2cfeac95-aab1-41a7-bca5-796b19d85bc0" providerId="ADAL" clId="{FAC9CDC4-0FAE-EB4E-9EAF-2D36CE679FAE}"/>
     <pc:docChg chg="undo custSel addSld delSld modSld sldOrd">
@@ -913,6 +727,308 @@
     </pc:docChg>
   </pc:docChgLst>
   <pc:docChgLst>
+    <pc:chgData name="Arjan Kamberg" userId="2cfeac95-aab1-41a7-bca5-796b19d85bc0" providerId="ADAL" clId="{A652EF7D-8557-B145-972D-5B62FE4BFA92}"/>
+    <pc:docChg chg="addSld modSld">
+      <pc:chgData name="Arjan Kamberg" userId="2cfeac95-aab1-41a7-bca5-796b19d85bc0" providerId="ADAL" clId="{A652EF7D-8557-B145-972D-5B62FE4BFA92}" dt="2022-09-09T10:16:53.957" v="143" actId="20577"/>
+      <pc:docMkLst>
+        <pc:docMk/>
+      </pc:docMkLst>
+      <pc:sldChg chg="modSp new mod">
+        <pc:chgData name="Arjan Kamberg" userId="2cfeac95-aab1-41a7-bca5-796b19d85bc0" providerId="ADAL" clId="{A652EF7D-8557-B145-972D-5B62FE4BFA92}" dt="2022-09-07T15:04:34.299" v="32" actId="20577"/>
+        <pc:sldMkLst>
+          <pc:docMk/>
+          <pc:sldMk cId="3189347549" sldId="393"/>
+        </pc:sldMkLst>
+        <pc:spChg chg="mod">
+          <ac:chgData name="Arjan Kamberg" userId="2cfeac95-aab1-41a7-bca5-796b19d85bc0" providerId="ADAL" clId="{A652EF7D-8557-B145-972D-5B62FE4BFA92}" dt="2022-09-07T15:04:29.063" v="31" actId="20577"/>
+          <ac:spMkLst>
+            <pc:docMk/>
+            <pc:sldMk cId="3189347549" sldId="393"/>
+            <ac:spMk id="2" creationId="{634630AA-B66F-C777-D0EF-ADB895F999A1}"/>
+          </ac:spMkLst>
+        </pc:spChg>
+        <pc:spChg chg="mod">
+          <ac:chgData name="Arjan Kamberg" userId="2cfeac95-aab1-41a7-bca5-796b19d85bc0" providerId="ADAL" clId="{A652EF7D-8557-B145-972D-5B62FE4BFA92}" dt="2022-09-07T15:04:34.299" v="32" actId="20577"/>
+          <ac:spMkLst>
+            <pc:docMk/>
+            <pc:sldMk cId="3189347549" sldId="393"/>
+            <ac:spMk id="3" creationId="{D330E66E-8BDF-7D31-2AF6-D7668F01EDFB}"/>
+          </ac:spMkLst>
+        </pc:spChg>
+      </pc:sldChg>
+      <pc:sldChg chg="modSp new mod">
+        <pc:chgData name="Arjan Kamberg" userId="2cfeac95-aab1-41a7-bca5-796b19d85bc0" providerId="ADAL" clId="{A652EF7D-8557-B145-972D-5B62FE4BFA92}" dt="2022-09-07T15:05:13.401" v="46" actId="108"/>
+        <pc:sldMkLst>
+          <pc:docMk/>
+          <pc:sldMk cId="1676359774" sldId="394"/>
+        </pc:sldMkLst>
+        <pc:spChg chg="mod">
+          <ac:chgData name="Arjan Kamberg" userId="2cfeac95-aab1-41a7-bca5-796b19d85bc0" providerId="ADAL" clId="{A652EF7D-8557-B145-972D-5B62FE4BFA92}" dt="2022-09-07T15:05:13.401" v="46" actId="108"/>
+          <ac:spMkLst>
+            <pc:docMk/>
+            <pc:sldMk cId="1676359774" sldId="394"/>
+            <ac:spMk id="2" creationId="{F97F5DFC-23D0-28A2-C1F1-0693C09125C8}"/>
+          </ac:spMkLst>
+        </pc:spChg>
+        <pc:spChg chg="mod">
+          <ac:chgData name="Arjan Kamberg" userId="2cfeac95-aab1-41a7-bca5-796b19d85bc0" providerId="ADAL" clId="{A652EF7D-8557-B145-972D-5B62FE4BFA92}" dt="2022-09-07T15:04:59.070" v="34"/>
+          <ac:spMkLst>
+            <pc:docMk/>
+            <pc:sldMk cId="1676359774" sldId="394"/>
+            <ac:spMk id="3" creationId="{6BDF731E-F01F-4592-C72D-98265002AA0D}"/>
+          </ac:spMkLst>
+        </pc:spChg>
+      </pc:sldChg>
+      <pc:sldChg chg="modSp new mod">
+        <pc:chgData name="Arjan Kamberg" userId="2cfeac95-aab1-41a7-bca5-796b19d85bc0" providerId="ADAL" clId="{A652EF7D-8557-B145-972D-5B62FE4BFA92}" dt="2022-09-07T15:05:49.958" v="60" actId="108"/>
+        <pc:sldMkLst>
+          <pc:docMk/>
+          <pc:sldMk cId="2699536551" sldId="395"/>
+        </pc:sldMkLst>
+        <pc:spChg chg="mod">
+          <ac:chgData name="Arjan Kamberg" userId="2cfeac95-aab1-41a7-bca5-796b19d85bc0" providerId="ADAL" clId="{A652EF7D-8557-B145-972D-5B62FE4BFA92}" dt="2022-09-07T15:05:49.958" v="60" actId="108"/>
+          <ac:spMkLst>
+            <pc:docMk/>
+            <pc:sldMk cId="2699536551" sldId="395"/>
+            <ac:spMk id="2" creationId="{17C38C0E-8CE8-388A-B6D2-BB48936F9674}"/>
+          </ac:spMkLst>
+        </pc:spChg>
+        <pc:spChg chg="mod">
+          <ac:chgData name="Arjan Kamberg" userId="2cfeac95-aab1-41a7-bca5-796b19d85bc0" providerId="ADAL" clId="{A652EF7D-8557-B145-972D-5B62FE4BFA92}" dt="2022-09-07T15:05:29.328" v="49" actId="20577"/>
+          <ac:spMkLst>
+            <pc:docMk/>
+            <pc:sldMk cId="2699536551" sldId="395"/>
+            <ac:spMk id="3" creationId="{87C1F4FF-799E-3C17-69E4-4199C8BF44F6}"/>
+          </ac:spMkLst>
+        </pc:spChg>
+      </pc:sldChg>
+      <pc:sldChg chg="modSp new mod">
+        <pc:chgData name="Arjan Kamberg" userId="2cfeac95-aab1-41a7-bca5-796b19d85bc0" providerId="ADAL" clId="{A652EF7D-8557-B145-972D-5B62FE4BFA92}" dt="2022-09-07T15:06:21.206" v="76" actId="20577"/>
+        <pc:sldMkLst>
+          <pc:docMk/>
+          <pc:sldMk cId="3986961149" sldId="396"/>
+        </pc:sldMkLst>
+        <pc:spChg chg="mod">
+          <ac:chgData name="Arjan Kamberg" userId="2cfeac95-aab1-41a7-bca5-796b19d85bc0" providerId="ADAL" clId="{A652EF7D-8557-B145-972D-5B62FE4BFA92}" dt="2022-09-07T15:06:17.440" v="75" actId="108"/>
+          <ac:spMkLst>
+            <pc:docMk/>
+            <pc:sldMk cId="3986961149" sldId="396"/>
+            <ac:spMk id="2" creationId="{1494CDFF-9400-83FC-AD0E-827BFC80B2F9}"/>
+          </ac:spMkLst>
+        </pc:spChg>
+        <pc:spChg chg="mod">
+          <ac:chgData name="Arjan Kamberg" userId="2cfeac95-aab1-41a7-bca5-796b19d85bc0" providerId="ADAL" clId="{A652EF7D-8557-B145-972D-5B62FE4BFA92}" dt="2022-09-07T15:06:21.206" v="76" actId="20577"/>
+          <ac:spMkLst>
+            <pc:docMk/>
+            <pc:sldMk cId="3986961149" sldId="396"/>
+            <ac:spMk id="3" creationId="{EE30AD84-2946-350F-CA87-294DFCEEA78C}"/>
+          </ac:spMkLst>
+        </pc:spChg>
+      </pc:sldChg>
+      <pc:sldChg chg="modSp new mod">
+        <pc:chgData name="Arjan Kamberg" userId="2cfeac95-aab1-41a7-bca5-796b19d85bc0" providerId="ADAL" clId="{A652EF7D-8557-B145-972D-5B62FE4BFA92}" dt="2022-09-09T10:16:53.957" v="143" actId="20577"/>
+        <pc:sldMkLst>
+          <pc:docMk/>
+          <pc:sldMk cId="2382687031" sldId="397"/>
+        </pc:sldMkLst>
+        <pc:spChg chg="mod">
+          <ac:chgData name="Arjan Kamberg" userId="2cfeac95-aab1-41a7-bca5-796b19d85bc0" providerId="ADAL" clId="{A652EF7D-8557-B145-972D-5B62FE4BFA92}" dt="2022-09-09T10:16:53.957" v="143" actId="20577"/>
+          <ac:spMkLst>
+            <pc:docMk/>
+            <pc:sldMk cId="2382687031" sldId="397"/>
+            <ac:spMk id="2" creationId="{E768A289-180F-EE20-41D8-F4116036F108}"/>
+          </ac:spMkLst>
+        </pc:spChg>
+      </pc:sldChg>
+    </pc:docChg>
+  </pc:docChgLst>
+  <pc:docChgLst>
+    <pc:chgData name="Arjan Kamberg" userId="2cfeac95-aab1-41a7-bca5-796b19d85bc0" providerId="ADAL" clId="{7D594A4A-9682-5546-8E69-CEDB28ED606A}"/>
+    <pc:docChg chg="undo custSel addSld modSld">
+      <pc:chgData name="Arjan Kamberg" userId="2cfeac95-aab1-41a7-bca5-796b19d85bc0" providerId="ADAL" clId="{7D594A4A-9682-5546-8E69-CEDB28ED606A}" dt="2020-09-14T21:09:13.134" v="397" actId="20577"/>
+      <pc:docMkLst>
+        <pc:docMk/>
+      </pc:docMkLst>
+      <pc:sldChg chg="modSp mod">
+        <pc:chgData name="Arjan Kamberg" userId="2cfeac95-aab1-41a7-bca5-796b19d85bc0" providerId="ADAL" clId="{7D594A4A-9682-5546-8E69-CEDB28ED606A}" dt="2020-09-08T13:11:09.047" v="364" actId="20577"/>
+        <pc:sldMkLst>
+          <pc:docMk/>
+          <pc:sldMk cId="2079639833" sldId="385"/>
+        </pc:sldMkLst>
+        <pc:spChg chg="mod">
+          <ac:chgData name="Arjan Kamberg" userId="2cfeac95-aab1-41a7-bca5-796b19d85bc0" providerId="ADAL" clId="{7D594A4A-9682-5546-8E69-CEDB28ED606A}" dt="2020-09-08T13:11:09.047" v="364" actId="20577"/>
+          <ac:spMkLst>
+            <pc:docMk/>
+            <pc:sldMk cId="2079639833" sldId="385"/>
+            <ac:spMk id="3" creationId="{2F9B5370-916E-BA46-9E34-8AD7FA2DF706}"/>
+          </ac:spMkLst>
+        </pc:spChg>
+      </pc:sldChg>
+      <pc:sldChg chg="addSp modSp mod">
+        <pc:chgData name="Arjan Kamberg" userId="2cfeac95-aab1-41a7-bca5-796b19d85bc0" providerId="ADAL" clId="{7D594A4A-9682-5546-8E69-CEDB28ED606A}" dt="2020-09-08T13:05:49.329" v="283" actId="1076"/>
+        <pc:sldMkLst>
+          <pc:docMk/>
+          <pc:sldMk cId="3219611341" sldId="387"/>
+        </pc:sldMkLst>
+        <pc:spChg chg="add mod">
+          <ac:chgData name="Arjan Kamberg" userId="2cfeac95-aab1-41a7-bca5-796b19d85bc0" providerId="ADAL" clId="{7D594A4A-9682-5546-8E69-CEDB28ED606A}" dt="2020-09-08T13:05:49.329" v="283" actId="1076"/>
+          <ac:spMkLst>
+            <pc:docMk/>
+            <pc:sldMk cId="3219611341" sldId="387"/>
+            <ac:spMk id="3" creationId="{00517CB4-31A1-544F-8264-26ABFC710CFB}"/>
+          </ac:spMkLst>
+        </pc:spChg>
+      </pc:sldChg>
+      <pc:sldChg chg="addSp modSp add mod">
+        <pc:chgData name="Arjan Kamberg" userId="2cfeac95-aab1-41a7-bca5-796b19d85bc0" providerId="ADAL" clId="{7D594A4A-9682-5546-8E69-CEDB28ED606A}" dt="2020-09-14T21:03:08.339" v="370" actId="1076"/>
+        <pc:sldMkLst>
+          <pc:docMk/>
+          <pc:sldMk cId="1531702595" sldId="388"/>
+        </pc:sldMkLst>
+        <pc:spChg chg="mod">
+          <ac:chgData name="Arjan Kamberg" userId="2cfeac95-aab1-41a7-bca5-796b19d85bc0" providerId="ADAL" clId="{7D594A4A-9682-5546-8E69-CEDB28ED606A}" dt="2020-09-08T13:02:35.223" v="32" actId="20577"/>
+          <ac:spMkLst>
+            <pc:docMk/>
+            <pc:sldMk cId="1531702595" sldId="388"/>
+            <ac:spMk id="2" creationId="{BAF02143-F2D9-624E-9B23-F93E69404899}"/>
+          </ac:spMkLst>
+        </pc:spChg>
+        <pc:picChg chg="add mod">
+          <ac:chgData name="Arjan Kamberg" userId="2cfeac95-aab1-41a7-bca5-796b19d85bc0" providerId="ADAL" clId="{7D594A4A-9682-5546-8E69-CEDB28ED606A}" dt="2020-09-14T21:03:08.339" v="370" actId="1076"/>
+          <ac:picMkLst>
+            <pc:docMk/>
+            <pc:sldMk cId="1531702595" sldId="388"/>
+            <ac:picMk id="4" creationId="{C5EC4FF8-09FE-3141-A4E5-72E58A4725F0}"/>
+          </ac:picMkLst>
+        </pc:picChg>
+      </pc:sldChg>
+      <pc:sldChg chg="addSp modSp add mod">
+        <pc:chgData name="Arjan Kamberg" userId="2cfeac95-aab1-41a7-bca5-796b19d85bc0" providerId="ADAL" clId="{7D594A4A-9682-5546-8E69-CEDB28ED606A}" dt="2020-09-08T13:05:07.865" v="199" actId="20577"/>
+        <pc:sldMkLst>
+          <pc:docMk/>
+          <pc:sldMk cId="3170996453" sldId="389"/>
+        </pc:sldMkLst>
+        <pc:spChg chg="mod">
+          <ac:chgData name="Arjan Kamberg" userId="2cfeac95-aab1-41a7-bca5-796b19d85bc0" providerId="ADAL" clId="{7D594A4A-9682-5546-8E69-CEDB28ED606A}" dt="2020-09-08T13:03:42.301" v="38" actId="20577"/>
+          <ac:spMkLst>
+            <pc:docMk/>
+            <pc:sldMk cId="3170996453" sldId="389"/>
+            <ac:spMk id="2" creationId="{AE4BB122-1E84-F248-9479-E30E2A3D5A4A}"/>
+          </ac:spMkLst>
+        </pc:spChg>
+        <pc:spChg chg="mod">
+          <ac:chgData name="Arjan Kamberg" userId="2cfeac95-aab1-41a7-bca5-796b19d85bc0" providerId="ADAL" clId="{7D594A4A-9682-5546-8E69-CEDB28ED606A}" dt="2020-09-08T13:05:07.865" v="199" actId="20577"/>
+          <ac:spMkLst>
+            <pc:docMk/>
+            <pc:sldMk cId="3170996453" sldId="389"/>
+            <ac:spMk id="3" creationId="{B41CCB11-4729-C342-AE66-F23A5F447CDF}"/>
+          </ac:spMkLst>
+        </pc:spChg>
+        <pc:picChg chg="add mod">
+          <ac:chgData name="Arjan Kamberg" userId="2cfeac95-aab1-41a7-bca5-796b19d85bc0" providerId="ADAL" clId="{7D594A4A-9682-5546-8E69-CEDB28ED606A}" dt="2020-09-08T13:05:05.783" v="198" actId="1076"/>
+          <ac:picMkLst>
+            <pc:docMk/>
+            <pc:sldMk cId="3170996453" sldId="389"/>
+            <ac:picMk id="4" creationId="{45FB70FF-506C-FD43-BD1D-01CF6A502732}"/>
+          </ac:picMkLst>
+        </pc:picChg>
+      </pc:sldChg>
+      <pc:sldChg chg="addSp delSp modSp add mod">
+        <pc:chgData name="Arjan Kamberg" userId="2cfeac95-aab1-41a7-bca5-796b19d85bc0" providerId="ADAL" clId="{7D594A4A-9682-5546-8E69-CEDB28ED606A}" dt="2020-09-14T21:04:40.907" v="378" actId="14100"/>
+        <pc:sldMkLst>
+          <pc:docMk/>
+          <pc:sldMk cId="2836665410" sldId="390"/>
+        </pc:sldMkLst>
+        <pc:spChg chg="del">
+          <ac:chgData name="Arjan Kamberg" userId="2cfeac95-aab1-41a7-bca5-796b19d85bc0" providerId="ADAL" clId="{7D594A4A-9682-5546-8E69-CEDB28ED606A}" dt="2020-09-14T21:04:27.645" v="373"/>
+          <ac:spMkLst>
+            <pc:docMk/>
+            <pc:sldMk cId="2836665410" sldId="390"/>
+            <ac:spMk id="3" creationId="{7BF09B58-9D72-744F-9831-C341D5FE727F}"/>
+          </ac:spMkLst>
+        </pc:spChg>
+        <pc:picChg chg="del">
+          <ac:chgData name="Arjan Kamberg" userId="2cfeac95-aab1-41a7-bca5-796b19d85bc0" providerId="ADAL" clId="{7D594A4A-9682-5546-8E69-CEDB28ED606A}" dt="2020-09-14T21:03:25.844" v="372" actId="478"/>
+          <ac:picMkLst>
+            <pc:docMk/>
+            <pc:sldMk cId="2836665410" sldId="390"/>
+            <ac:picMk id="4" creationId="{C5EC4FF8-09FE-3141-A4E5-72E58A4725F0}"/>
+          </ac:picMkLst>
+        </pc:picChg>
+        <pc:picChg chg="add mod">
+          <ac:chgData name="Arjan Kamberg" userId="2cfeac95-aab1-41a7-bca5-796b19d85bc0" providerId="ADAL" clId="{7D594A4A-9682-5546-8E69-CEDB28ED606A}" dt="2020-09-14T21:04:40.907" v="378" actId="14100"/>
+          <ac:picMkLst>
+            <pc:docMk/>
+            <pc:sldMk cId="2836665410" sldId="390"/>
+            <ac:picMk id="6" creationId="{9D00D555-B8B4-1E4C-84DD-D6CB7394FC51}"/>
+          </ac:picMkLst>
+        </pc:picChg>
+      </pc:sldChg>
+      <pc:sldChg chg="addSp delSp modSp add mod">
+        <pc:chgData name="Arjan Kamberg" userId="2cfeac95-aab1-41a7-bca5-796b19d85bc0" providerId="ADAL" clId="{7D594A4A-9682-5546-8E69-CEDB28ED606A}" dt="2020-09-14T21:05:53.755" v="387" actId="478"/>
+        <pc:sldMkLst>
+          <pc:docMk/>
+          <pc:sldMk cId="2213207011" sldId="391"/>
+        </pc:sldMkLst>
+        <pc:spChg chg="mod">
+          <ac:chgData name="Arjan Kamberg" userId="2cfeac95-aab1-41a7-bca5-796b19d85bc0" providerId="ADAL" clId="{7D594A4A-9682-5546-8E69-CEDB28ED606A}" dt="2020-09-14T21:05:43.900" v="385" actId="20577"/>
+          <ac:spMkLst>
+            <pc:docMk/>
+            <pc:sldMk cId="2213207011" sldId="391"/>
+            <ac:spMk id="2" creationId="{BAF02143-F2D9-624E-9B23-F93E69404899}"/>
+          </ac:spMkLst>
+        </pc:spChg>
+        <pc:spChg chg="add del mod">
+          <ac:chgData name="Arjan Kamberg" userId="2cfeac95-aab1-41a7-bca5-796b19d85bc0" providerId="ADAL" clId="{7D594A4A-9682-5546-8E69-CEDB28ED606A}" dt="2020-09-14T21:05:53.755" v="387" actId="478"/>
+          <ac:spMkLst>
+            <pc:docMk/>
+            <pc:sldMk cId="2213207011" sldId="391"/>
+            <ac:spMk id="4" creationId="{D995D761-C247-E34C-A99F-6F32AD33BA6A}"/>
+          </ac:spMkLst>
+        </pc:spChg>
+        <pc:picChg chg="add mod">
+          <ac:chgData name="Arjan Kamberg" userId="2cfeac95-aab1-41a7-bca5-796b19d85bc0" providerId="ADAL" clId="{7D594A4A-9682-5546-8E69-CEDB28ED606A}" dt="2020-09-14T21:05:36.721" v="382" actId="1076"/>
+          <ac:picMkLst>
+            <pc:docMk/>
+            <pc:sldMk cId="2213207011" sldId="391"/>
+            <ac:picMk id="5" creationId="{007ACA8C-5BAA-0747-9EDB-D5851E474B4A}"/>
+          </ac:picMkLst>
+        </pc:picChg>
+        <pc:picChg chg="del">
+          <ac:chgData name="Arjan Kamberg" userId="2cfeac95-aab1-41a7-bca5-796b19d85bc0" providerId="ADAL" clId="{7D594A4A-9682-5546-8E69-CEDB28ED606A}" dt="2020-09-14T21:04:52.454" v="380" actId="478"/>
+          <ac:picMkLst>
+            <pc:docMk/>
+            <pc:sldMk cId="2213207011" sldId="391"/>
+            <ac:picMk id="6" creationId="{9D00D555-B8B4-1E4C-84DD-D6CB7394FC51}"/>
+          </ac:picMkLst>
+        </pc:picChg>
+      </pc:sldChg>
+      <pc:sldChg chg="addSp delSp modSp add mod modNotesTx">
+        <pc:chgData name="Arjan Kamberg" userId="2cfeac95-aab1-41a7-bca5-796b19d85bc0" providerId="ADAL" clId="{7D594A4A-9682-5546-8E69-CEDB28ED606A}" dt="2020-09-14T21:09:13.134" v="397" actId="20577"/>
+        <pc:sldMkLst>
+          <pc:docMk/>
+          <pc:sldMk cId="603019523" sldId="392"/>
+        </pc:sldMkLst>
+        <pc:picChg chg="add mod">
+          <ac:chgData name="Arjan Kamberg" userId="2cfeac95-aab1-41a7-bca5-796b19d85bc0" providerId="ADAL" clId="{7D594A4A-9682-5546-8E69-CEDB28ED606A}" dt="2020-09-14T21:07:06.412" v="393" actId="1076"/>
+          <ac:picMkLst>
+            <pc:docMk/>
+            <pc:sldMk cId="603019523" sldId="392"/>
+            <ac:picMk id="3" creationId="{92F3E386-16EB-944E-A8C3-98F0EAAD0362}"/>
+          </ac:picMkLst>
+        </pc:picChg>
+        <pc:picChg chg="del">
+          <ac:chgData name="Arjan Kamberg" userId="2cfeac95-aab1-41a7-bca5-796b19d85bc0" providerId="ADAL" clId="{7D594A4A-9682-5546-8E69-CEDB28ED606A}" dt="2020-09-14T21:07:00.600" v="389" actId="478"/>
+          <ac:picMkLst>
+            <pc:docMk/>
+            <pc:sldMk cId="603019523" sldId="392"/>
+            <ac:picMk id="5" creationId="{007ACA8C-5BAA-0747-9EDB-D5851E474B4A}"/>
+          </ac:picMkLst>
+        </pc:picChg>
+      </pc:sldChg>
+    </pc:docChg>
+  </pc:docChgLst>
+  <pc:docChgLst>
     <pc:chgData name="Jay van Stuijvenberg" userId="9466849dd5cafde3" providerId="OrgId" clId="{8A6CB7A3-05D4-4036-9F13-178EB5799CDE}"/>
     <pc:docChg chg="custSel modSld modMainMaster">
       <pc:chgData name="Jay van Stuijvenberg" userId="9466849dd5cafde3" providerId="OrgId" clId="{8A6CB7A3-05D4-4036-9F13-178EB5799CDE}" dt="2018-02-23T15:24:45.422" v="32" actId="478"/>
@@ -1118,122 +1234,6 @@
       </pc:sldMasterChg>
     </pc:docChg>
   </pc:docChgLst>
-  <pc:docChgLst>
-    <pc:chgData name="Arjan Kamberg" userId="2cfeac95-aab1-41a7-bca5-796b19d85bc0" providerId="ADAL" clId="{A652EF7D-8557-B145-972D-5B62FE4BFA92}"/>
-    <pc:docChg chg="addSld modSld">
-      <pc:chgData name="Arjan Kamberg" userId="2cfeac95-aab1-41a7-bca5-796b19d85bc0" providerId="ADAL" clId="{A652EF7D-8557-B145-972D-5B62FE4BFA92}" dt="2022-09-09T10:16:53.957" v="143" actId="20577"/>
-      <pc:docMkLst>
-        <pc:docMk/>
-      </pc:docMkLst>
-      <pc:sldChg chg="modSp new mod">
-        <pc:chgData name="Arjan Kamberg" userId="2cfeac95-aab1-41a7-bca5-796b19d85bc0" providerId="ADAL" clId="{A652EF7D-8557-B145-972D-5B62FE4BFA92}" dt="2022-09-07T15:04:34.299" v="32" actId="20577"/>
-        <pc:sldMkLst>
-          <pc:docMk/>
-          <pc:sldMk cId="3189347549" sldId="393"/>
-        </pc:sldMkLst>
-        <pc:spChg chg="mod">
-          <ac:chgData name="Arjan Kamberg" userId="2cfeac95-aab1-41a7-bca5-796b19d85bc0" providerId="ADAL" clId="{A652EF7D-8557-B145-972D-5B62FE4BFA92}" dt="2022-09-07T15:04:29.063" v="31" actId="20577"/>
-          <ac:spMkLst>
-            <pc:docMk/>
-            <pc:sldMk cId="3189347549" sldId="393"/>
-            <ac:spMk id="2" creationId="{634630AA-B66F-C777-D0EF-ADB895F999A1}"/>
-          </ac:spMkLst>
-        </pc:spChg>
-        <pc:spChg chg="mod">
-          <ac:chgData name="Arjan Kamberg" userId="2cfeac95-aab1-41a7-bca5-796b19d85bc0" providerId="ADAL" clId="{A652EF7D-8557-B145-972D-5B62FE4BFA92}" dt="2022-09-07T15:04:34.299" v="32" actId="20577"/>
-          <ac:spMkLst>
-            <pc:docMk/>
-            <pc:sldMk cId="3189347549" sldId="393"/>
-            <ac:spMk id="3" creationId="{D330E66E-8BDF-7D31-2AF6-D7668F01EDFB}"/>
-          </ac:spMkLst>
-        </pc:spChg>
-      </pc:sldChg>
-      <pc:sldChg chg="modSp new mod">
-        <pc:chgData name="Arjan Kamberg" userId="2cfeac95-aab1-41a7-bca5-796b19d85bc0" providerId="ADAL" clId="{A652EF7D-8557-B145-972D-5B62FE4BFA92}" dt="2022-09-07T15:05:13.401" v="46" actId="108"/>
-        <pc:sldMkLst>
-          <pc:docMk/>
-          <pc:sldMk cId="1676359774" sldId="394"/>
-        </pc:sldMkLst>
-        <pc:spChg chg="mod">
-          <ac:chgData name="Arjan Kamberg" userId="2cfeac95-aab1-41a7-bca5-796b19d85bc0" providerId="ADAL" clId="{A652EF7D-8557-B145-972D-5B62FE4BFA92}" dt="2022-09-07T15:05:13.401" v="46" actId="108"/>
-          <ac:spMkLst>
-            <pc:docMk/>
-            <pc:sldMk cId="1676359774" sldId="394"/>
-            <ac:spMk id="2" creationId="{F97F5DFC-23D0-28A2-C1F1-0693C09125C8}"/>
-          </ac:spMkLst>
-        </pc:spChg>
-        <pc:spChg chg="mod">
-          <ac:chgData name="Arjan Kamberg" userId="2cfeac95-aab1-41a7-bca5-796b19d85bc0" providerId="ADAL" clId="{A652EF7D-8557-B145-972D-5B62FE4BFA92}" dt="2022-09-07T15:04:59.070" v="34"/>
-          <ac:spMkLst>
-            <pc:docMk/>
-            <pc:sldMk cId="1676359774" sldId="394"/>
-            <ac:spMk id="3" creationId="{6BDF731E-F01F-4592-C72D-98265002AA0D}"/>
-          </ac:spMkLst>
-        </pc:spChg>
-      </pc:sldChg>
-      <pc:sldChg chg="modSp new mod">
-        <pc:chgData name="Arjan Kamberg" userId="2cfeac95-aab1-41a7-bca5-796b19d85bc0" providerId="ADAL" clId="{A652EF7D-8557-B145-972D-5B62FE4BFA92}" dt="2022-09-07T15:05:49.958" v="60" actId="108"/>
-        <pc:sldMkLst>
-          <pc:docMk/>
-          <pc:sldMk cId="2699536551" sldId="395"/>
-        </pc:sldMkLst>
-        <pc:spChg chg="mod">
-          <ac:chgData name="Arjan Kamberg" userId="2cfeac95-aab1-41a7-bca5-796b19d85bc0" providerId="ADAL" clId="{A652EF7D-8557-B145-972D-5B62FE4BFA92}" dt="2022-09-07T15:05:49.958" v="60" actId="108"/>
-          <ac:spMkLst>
-            <pc:docMk/>
-            <pc:sldMk cId="2699536551" sldId="395"/>
-            <ac:spMk id="2" creationId="{17C38C0E-8CE8-388A-B6D2-BB48936F9674}"/>
-          </ac:spMkLst>
-        </pc:spChg>
-        <pc:spChg chg="mod">
-          <ac:chgData name="Arjan Kamberg" userId="2cfeac95-aab1-41a7-bca5-796b19d85bc0" providerId="ADAL" clId="{A652EF7D-8557-B145-972D-5B62FE4BFA92}" dt="2022-09-07T15:05:29.328" v="49" actId="20577"/>
-          <ac:spMkLst>
-            <pc:docMk/>
-            <pc:sldMk cId="2699536551" sldId="395"/>
-            <ac:spMk id="3" creationId="{87C1F4FF-799E-3C17-69E4-4199C8BF44F6}"/>
-          </ac:spMkLst>
-        </pc:spChg>
-      </pc:sldChg>
-      <pc:sldChg chg="modSp new mod">
-        <pc:chgData name="Arjan Kamberg" userId="2cfeac95-aab1-41a7-bca5-796b19d85bc0" providerId="ADAL" clId="{A652EF7D-8557-B145-972D-5B62FE4BFA92}" dt="2022-09-07T15:06:21.206" v="76" actId="20577"/>
-        <pc:sldMkLst>
-          <pc:docMk/>
-          <pc:sldMk cId="3986961149" sldId="396"/>
-        </pc:sldMkLst>
-        <pc:spChg chg="mod">
-          <ac:chgData name="Arjan Kamberg" userId="2cfeac95-aab1-41a7-bca5-796b19d85bc0" providerId="ADAL" clId="{A652EF7D-8557-B145-972D-5B62FE4BFA92}" dt="2022-09-07T15:06:17.440" v="75" actId="108"/>
-          <ac:spMkLst>
-            <pc:docMk/>
-            <pc:sldMk cId="3986961149" sldId="396"/>
-            <ac:spMk id="2" creationId="{1494CDFF-9400-83FC-AD0E-827BFC80B2F9}"/>
-          </ac:spMkLst>
-        </pc:spChg>
-        <pc:spChg chg="mod">
-          <ac:chgData name="Arjan Kamberg" userId="2cfeac95-aab1-41a7-bca5-796b19d85bc0" providerId="ADAL" clId="{A652EF7D-8557-B145-972D-5B62FE4BFA92}" dt="2022-09-07T15:06:21.206" v="76" actId="20577"/>
-          <ac:spMkLst>
-            <pc:docMk/>
-            <pc:sldMk cId="3986961149" sldId="396"/>
-            <ac:spMk id="3" creationId="{EE30AD84-2946-350F-CA87-294DFCEEA78C}"/>
-          </ac:spMkLst>
-        </pc:spChg>
-      </pc:sldChg>
-      <pc:sldChg chg="modSp new mod">
-        <pc:chgData name="Arjan Kamberg" userId="2cfeac95-aab1-41a7-bca5-796b19d85bc0" providerId="ADAL" clId="{A652EF7D-8557-B145-972D-5B62FE4BFA92}" dt="2022-09-09T10:16:53.957" v="143" actId="20577"/>
-        <pc:sldMkLst>
-          <pc:docMk/>
-          <pc:sldMk cId="2382687031" sldId="397"/>
-        </pc:sldMkLst>
-        <pc:spChg chg="mod">
-          <ac:chgData name="Arjan Kamberg" userId="2cfeac95-aab1-41a7-bca5-796b19d85bc0" providerId="ADAL" clId="{A652EF7D-8557-B145-972D-5B62FE4BFA92}" dt="2022-09-09T10:16:53.957" v="143" actId="20577"/>
-          <ac:spMkLst>
-            <pc:docMk/>
-            <pc:sldMk cId="2382687031" sldId="397"/>
-            <ac:spMk id="2" creationId="{E768A289-180F-EE20-41D8-F4116036F108}"/>
-          </ac:spMkLst>
-        </pc:spChg>
-      </pc:sldChg>
-    </pc:docChg>
-  </pc:docChgLst>
 </pc:chgInfo>
 </file>
 
@@ -1319,7 +1319,7 @@
           <a:p>
             <a:fld id="{25ED37B6-3D2B-42F6-B75F-7E9C925A2B78}" type="datetimeFigureOut">
               <a:rPr lang="nl-NL" smtClean="0"/>
-              <a:t>9-9-2022</a:t>
+              <a:t>8-9-2023</a:t>
             </a:fld>
             <a:endParaRPr lang="nl-NL"/>
           </a:p>
@@ -1484,7 +1484,7 @@
           <a:p>
             <a:fld id="{67D95C54-6F9B-4C49-BF56-4D62B2D71ED9}" type="datetimeFigureOut">
               <a:rPr lang="nl-NL" smtClean="0"/>
-              <a:t>9-9-2022</a:t>
+              <a:t>8-9-2023</a:t>
             </a:fld>
             <a:endParaRPr lang="nl-NL"/>
           </a:p>
@@ -6067,31 +6067,15 @@
             <a:br>
               <a:rPr lang="nl-NL" sz="8800" dirty="0"/>
             </a:br>
-            <a:r>
-              <a:rPr lang="nl-NL" dirty="0"/>
-              <a:t/>
-            </a:r>
             <a:br>
               <a:rPr lang="nl-NL" dirty="0"/>
             </a:br>
-            <a:r>
-              <a:rPr lang="nl-NL" dirty="0"/>
-              <a:t/>
-            </a:r>
             <a:br>
               <a:rPr lang="nl-NL" dirty="0"/>
             </a:br>
-            <a:r>
-              <a:rPr lang="nl-NL" dirty="0"/>
-              <a:t/>
-            </a:r>
             <a:br>
               <a:rPr lang="nl-NL" dirty="0"/>
             </a:br>
-            <a:r>
-              <a:rPr lang="nl-NL" dirty="0"/>
-              <a:t/>
-            </a:r>
             <a:br>
               <a:rPr lang="nl-NL" dirty="0"/>
             </a:br>
@@ -6145,13 +6129,6 @@
   <p:clrMapOvr>
     <a:masterClrMapping/>
   </p:clrMapOvr>
-  <p:timing>
-    <p:tnLst>
-      <p:par>
-        <p:cTn id="1" dur="indefinite" restart="never" nodeType="tmRoot"/>
-      </p:par>
-    </p:tnLst>
-  </p:timing>
 </p:sld>
 </file>
 
@@ -6245,13 +6222,6 @@
   <p:clrMapOvr>
     <a:masterClrMapping/>
   </p:clrMapOvr>
-  <p:timing>
-    <p:tnLst>
-      <p:par>
-        <p:cTn id="1" dur="indefinite" restart="never" nodeType="tmRoot"/>
-      </p:par>
-    </p:tnLst>
-  </p:timing>
 </p:sld>
 </file>
 
@@ -6347,13 +6317,6 @@
   <p:clrMapOvr>
     <a:masterClrMapping/>
   </p:clrMapOvr>
-  <p:timing>
-    <p:tnLst>
-      <p:par>
-        <p:cTn id="1" dur="indefinite" restart="never" nodeType="tmRoot"/>
-      </p:par>
-    </p:tnLst>
-  </p:timing>
 </p:sld>
 </file>
 
@@ -6449,13 +6412,6 @@
   <p:clrMapOvr>
     <a:masterClrMapping/>
   </p:clrMapOvr>
-  <p:timing>
-    <p:tnLst>
-      <p:par>
-        <p:cTn id="1" dur="indefinite" restart="never" nodeType="tmRoot"/>
-      </p:par>
-    </p:tnLst>
-  </p:timing>
 </p:sld>
 </file>
 
@@ -6551,19 +6507,19 @@
           <a:lstStyle/>
           <a:p>
             <a:r>
-              <a:rPr lang="nl-NL" dirty="0" smtClean="0"/>
+              <a:rPr lang="nl-NL" dirty="0"/>
               <a:t>Ik wil een meet en presentatiesysteem waarbij na het</a:t>
             </a:r>
           </a:p>
           <a:p>
             <a:r>
-              <a:rPr lang="nl-NL" dirty="0" smtClean="0"/>
+              <a:rPr lang="nl-NL" dirty="0"/>
               <a:t>Aanzetten er een keuze wordt gemaakt in welke </a:t>
             </a:r>
           </a:p>
           <a:p>
             <a:r>
-              <a:rPr lang="nl-NL" dirty="0" smtClean="0"/>
+              <a:rPr lang="nl-NL" dirty="0"/>
               <a:t>temp eenheid (K F C) de buitentemp getoond moet worden.</a:t>
             </a:r>
           </a:p>
@@ -6571,22 +6527,18 @@
             <a:endParaRPr lang="nl-NL" dirty="0"/>
           </a:p>
           <a:p>
-            <a:endParaRPr lang="nl-NL" dirty="0" smtClean="0"/>
-          </a:p>
-          <a:p>
-            <a:r>
-              <a:rPr lang="nl-NL" dirty="0" smtClean="0"/>
+            <a:endParaRPr lang="nl-NL" dirty="0"/>
+          </a:p>
+          <a:p>
+            <a:r>
+              <a:rPr lang="nl-NL" dirty="0"/>
               <a:t>Na de keuze wordt iedere minuut de temp uitgelezen</a:t>
             </a:r>
           </a:p>
           <a:p>
             <a:r>
-              <a:rPr lang="nl-NL" dirty="0" smtClean="0"/>
-              <a:t>Omgerekend en op een Billboard getoond</a:t>
-            </a:r>
-            <a:r>
-              <a:rPr lang="nl-NL" dirty="0" smtClean="0"/>
-              <a:t>..</a:t>
+              <a:rPr lang="nl-NL" dirty="0"/>
+              <a:t>Omgerekend en op een Billboard getoond..</a:t>
             </a:r>
           </a:p>
           <a:p>
@@ -6594,10 +6546,9 @@
           </a:p>
           <a:p>
             <a:r>
-              <a:rPr lang="nl-NL" dirty="0" smtClean="0"/>
+              <a:rPr lang="nl-NL" dirty="0"/>
               <a:t>De sensor meet de temperatuur in C.</a:t>
             </a:r>
-            <a:endParaRPr lang="nl-NL" dirty="0"/>
           </a:p>
         </p:txBody>
       </p:sp>
@@ -6611,13 +6562,6 @@
   <p:clrMapOvr>
     <a:masterClrMapping/>
   </p:clrMapOvr>
-  <p:timing>
-    <p:tnLst>
-      <p:par>
-        <p:cTn id="1" dur="indefinite" restart="never" nodeType="tmRoot"/>
-      </p:par>
-    </p:tnLst>
-  </p:timing>
 </p:sld>
 </file>
 
@@ -6654,10 +6598,9 @@
           <a:lstStyle/>
           <a:p>
             <a:r>
-              <a:rPr lang="nl-NL" dirty="0" smtClean="0"/>
+              <a:rPr lang="nl-NL" dirty="0"/>
               <a:t>Temperatuur</a:t>
             </a:r>
-            <a:endParaRPr lang="nl-NL" dirty="0"/>
           </a:p>
         </p:txBody>
       </p:sp>
@@ -6695,13 +6638,6 @@
   <p:clrMapOvr>
     <a:masterClrMapping/>
   </p:clrMapOvr>
-  <p:timing>
-    <p:tnLst>
-      <p:par>
-        <p:cTn id="1" dur="indefinite" restart="never" nodeType="tmRoot"/>
-      </p:par>
-    </p:tnLst>
-  </p:timing>
 </p:sld>
 </file>
 
@@ -6828,13 +6764,6 @@
   <p:clrMapOvr>
     <a:masterClrMapping/>
   </p:clrMapOvr>
-  <p:timing>
-    <p:tnLst>
-      <p:par>
-        <p:cTn id="1" dur="indefinite" restart="never" nodeType="tmRoot"/>
-      </p:par>
-    </p:tnLst>
-  </p:timing>
 </p:sld>
 </file>
 
@@ -7046,7 +6975,47 @@
                 <a:effectLst/>
                 <a:latin typeface="ArialMT"/>
               </a:rPr>
-              <a:t>.</a:t>
+              <a:t> </a:t>
+            </a:r>
+            <a:r>
+              <a:rPr lang="en-GB" sz="1800" dirty="0" err="1">
+                <a:solidFill>
+                  <a:srgbClr val="3F3F3F"/>
+                </a:solidFill>
+                <a:effectLst/>
+                <a:latin typeface="ArialMT"/>
+              </a:rPr>
+              <a:t>tussen</a:t>
+            </a:r>
+            <a:r>
+              <a:rPr lang="en-GB" sz="1800" dirty="0">
+                <a:solidFill>
+                  <a:srgbClr val="3F3F3F"/>
+                </a:solidFill>
+                <a:effectLst/>
+                <a:latin typeface="ArialMT"/>
+              </a:rPr>
+              <a:t> 0 </a:t>
+            </a:r>
+            <a:r>
+              <a:rPr lang="en-GB" sz="1800" dirty="0" err="1">
+                <a:solidFill>
+                  <a:srgbClr val="3F3F3F"/>
+                </a:solidFill>
+                <a:effectLst/>
+                <a:latin typeface="ArialMT"/>
+              </a:rPr>
+              <a:t>en</a:t>
+            </a:r>
+            <a:r>
+              <a:rPr lang="en-GB" sz="1800">
+                <a:solidFill>
+                  <a:srgbClr val="3F3F3F"/>
+                </a:solidFill>
+                <a:effectLst/>
+                <a:latin typeface="ArialMT"/>
+              </a:rPr>
+              <a:t> 100.</a:t>
             </a:r>
             <a:br>
               <a:rPr lang="en-GB" sz="1800" dirty="0">
@@ -8284,13 +8253,6 @@
   <p:clrMapOvr>
     <a:masterClrMapping/>
   </p:clrMapOvr>
-  <p:timing>
-    <p:tnLst>
-      <p:par>
-        <p:cTn id="1" dur="indefinite" restart="never" nodeType="tmRoot"/>
-      </p:par>
-    </p:tnLst>
-  </p:timing>
 </p:sld>
 </file>
 
@@ -8374,7 +8336,7 @@
           <a:lstStyle/>
           <a:p>
             <a:r>
-              <a:rPr lang="en-GB" sz="1800" dirty="0" err="1" smtClean="0">
+              <a:rPr lang="en-GB" sz="1800" dirty="0" err="1">
                 <a:solidFill>
                   <a:srgbClr val="3F3F3F"/>
                 </a:solidFill>
@@ -8384,7 +8346,7 @@
               <a:t>Hetzelfe</a:t>
             </a:r>
             <a:r>
-              <a:rPr lang="en-GB" sz="1800" dirty="0" smtClean="0">
+              <a:rPr lang="en-GB" sz="1800" dirty="0">
                 <a:solidFill>
                   <a:srgbClr val="3F3F3F"/>
                 </a:solidFill>
@@ -8394,7 +8356,7 @@
               <a:t> </a:t>
             </a:r>
             <a:r>
-              <a:rPr lang="en-GB" sz="1800" dirty="0" err="1" smtClean="0">
+              <a:rPr lang="en-GB" sz="1800" dirty="0" err="1">
                 <a:solidFill>
                   <a:srgbClr val="3F3F3F"/>
                 </a:solidFill>
@@ -8404,7 +8366,7 @@
               <a:t>spelletje</a:t>
             </a:r>
             <a:r>
-              <a:rPr lang="en-GB" sz="1800" dirty="0" smtClean="0">
+              <a:rPr lang="en-GB" sz="1800" dirty="0">
                 <a:solidFill>
                   <a:srgbClr val="3F3F3F"/>
                 </a:solidFill>
@@ -8414,7 +8376,7 @@
               <a:t> </a:t>
             </a:r>
             <a:r>
-              <a:rPr lang="en-GB" sz="1800" dirty="0" err="1" smtClean="0">
+              <a:rPr lang="en-GB" sz="1800" dirty="0" err="1">
                 <a:solidFill>
                   <a:srgbClr val="3F3F3F"/>
                 </a:solidFill>
@@ -8424,7 +8386,7 @@
               <a:t>als</a:t>
             </a:r>
             <a:r>
-              <a:rPr lang="en-GB" sz="1800" dirty="0" smtClean="0">
+              <a:rPr lang="en-GB" sz="1800" dirty="0">
                 <a:solidFill>
                   <a:srgbClr val="3F3F3F"/>
                 </a:solidFill>
@@ -8434,7 +8396,7 @@
               <a:t> </a:t>
             </a:r>
             <a:r>
-              <a:rPr lang="en-GB" sz="1800" dirty="0" err="1" smtClean="0">
+              <a:rPr lang="en-GB" sz="1800" dirty="0" err="1">
                 <a:solidFill>
                   <a:srgbClr val="3F3F3F"/>
                 </a:solidFill>
@@ -8444,7 +8406,7 @@
               <a:t>bij</a:t>
             </a:r>
             <a:r>
-              <a:rPr lang="en-GB" sz="1800" dirty="0" smtClean="0">
+              <a:rPr lang="en-GB" sz="1800" dirty="0">
                 <a:solidFill>
                   <a:srgbClr val="3F3F3F"/>
                 </a:solidFill>
@@ -8454,7 +8416,7 @@
               <a:t> 1.6.4 </a:t>
             </a:r>
             <a:r>
-              <a:rPr lang="en-GB" sz="1800" dirty="0" err="1" smtClean="0">
+              <a:rPr lang="en-GB" sz="1800" dirty="0" err="1">
                 <a:solidFill>
                   <a:srgbClr val="3F3F3F"/>
                 </a:solidFill>
@@ -8464,7 +8426,7 @@
               <a:t>Alleen</a:t>
             </a:r>
             <a:r>
-              <a:rPr lang="en-GB" sz="1800" dirty="0" smtClean="0">
+              <a:rPr lang="en-GB" sz="1800" dirty="0">
                 <a:solidFill>
                   <a:srgbClr val="3F3F3F"/>
                 </a:solidFill>
@@ -8474,7 +8436,7 @@
               <a:t> </a:t>
             </a:r>
             <a:r>
-              <a:rPr lang="en-GB" sz="1800" dirty="0" err="1" smtClean="0">
+              <a:rPr lang="en-GB" sz="1800" dirty="0" err="1">
                 <a:solidFill>
                   <a:srgbClr val="3F3F3F"/>
                 </a:solidFill>
@@ -8484,7 +8446,7 @@
               <a:t>voer</a:t>
             </a:r>
             <a:r>
-              <a:rPr lang="en-GB" sz="1800" dirty="0" smtClean="0">
+              <a:rPr lang="en-GB" sz="1800" dirty="0">
                 <a:solidFill>
                   <a:srgbClr val="3F3F3F"/>
                 </a:solidFill>
@@ -8494,7 +8456,7 @@
               <a:t> je nu </a:t>
             </a:r>
             <a:r>
-              <a:rPr lang="en-GB" sz="1800" dirty="0" err="1" smtClean="0">
+              <a:rPr lang="en-GB" sz="1800" dirty="0" err="1">
                 <a:solidFill>
                   <a:srgbClr val="3F3F3F"/>
                 </a:solidFill>
@@ -8504,7 +8466,7 @@
               <a:t>zelf</a:t>
             </a:r>
             <a:r>
-              <a:rPr lang="en-GB" sz="1800" dirty="0" smtClean="0">
+              <a:rPr lang="en-GB" sz="1800" dirty="0">
                 <a:solidFill>
                   <a:srgbClr val="3F3F3F"/>
                 </a:solidFill>
@@ -8514,7 +8476,7 @@
               <a:t> het </a:t>
             </a:r>
             <a:r>
-              <a:rPr lang="en-GB" sz="1800" dirty="0" err="1" smtClean="0">
+              <a:rPr lang="en-GB" sz="1800" dirty="0" err="1">
                 <a:solidFill>
                   <a:srgbClr val="3F3F3F"/>
                 </a:solidFill>
@@ -8524,7 +8486,7 @@
               <a:t>tetal</a:t>
             </a:r>
             <a:r>
-              <a:rPr lang="en-GB" sz="1800" dirty="0" smtClean="0">
+              <a:rPr lang="en-GB" sz="1800" dirty="0">
                 <a:solidFill>
                   <a:srgbClr val="3F3F3F"/>
                 </a:solidFill>
@@ -8534,7 +8496,7 @@
               <a:t> in </a:t>
             </a:r>
             <a:r>
-              <a:rPr lang="en-GB" sz="1800" dirty="0" err="1" smtClean="0">
+              <a:rPr lang="en-GB" sz="1800" dirty="0" err="1">
                 <a:solidFill>
                   <a:srgbClr val="3F3F3F"/>
                 </a:solidFill>
@@ -8544,7 +8506,7 @@
               <a:t>en</a:t>
             </a:r>
             <a:r>
-              <a:rPr lang="en-GB" sz="1800" dirty="0" smtClean="0">
+              <a:rPr lang="en-GB" sz="1800" dirty="0">
                 <a:solidFill>
                   <a:srgbClr val="3F3F3F"/>
                 </a:solidFill>
@@ -8554,7 +8516,7 @@
               <a:t> de computer </a:t>
             </a:r>
             <a:r>
-              <a:rPr lang="en-GB" sz="1800" dirty="0" err="1" smtClean="0">
+              <a:rPr lang="en-GB" sz="1800" dirty="0" err="1">
                 <a:solidFill>
                   <a:srgbClr val="3F3F3F"/>
                 </a:solidFill>
@@ -8564,7 +8526,7 @@
               <a:t>gaat</a:t>
             </a:r>
             <a:r>
-              <a:rPr lang="en-GB" sz="1800" dirty="0" smtClean="0">
+              <a:rPr lang="en-GB" sz="1800" dirty="0">
                 <a:solidFill>
                   <a:srgbClr val="3F3F3F"/>
                 </a:solidFill>
@@ -8574,7 +8536,7 @@
               <a:t> op de </a:t>
             </a:r>
             <a:r>
-              <a:rPr lang="en-GB" sz="1800" dirty="0" err="1" smtClean="0">
+              <a:rPr lang="en-GB" sz="1800" dirty="0" err="1">
                 <a:solidFill>
                   <a:srgbClr val="3F3F3F"/>
                 </a:solidFill>
@@ -8584,7 +8546,7 @@
               <a:t>slimste</a:t>
             </a:r>
             <a:r>
-              <a:rPr lang="en-GB" sz="1800" dirty="0" smtClean="0">
+              <a:rPr lang="en-GB" sz="1800" dirty="0">
                 <a:solidFill>
                   <a:srgbClr val="3F3F3F"/>
                 </a:solidFill>
@@ -8594,7 +8556,7 @@
               <a:t> </a:t>
             </a:r>
             <a:r>
-              <a:rPr lang="en-GB" sz="1800" dirty="0" err="1" smtClean="0">
+              <a:rPr lang="en-GB" sz="1800" dirty="0" err="1">
                 <a:solidFill>
                   <a:srgbClr val="3F3F3F"/>
                 </a:solidFill>
@@ -8604,7 +8566,7 @@
               <a:t>manier</a:t>
             </a:r>
             <a:r>
-              <a:rPr lang="en-GB" sz="1800" dirty="0" smtClean="0">
+              <a:rPr lang="en-GB" sz="1800" dirty="0">
                 <a:solidFill>
                   <a:srgbClr val="3F3F3F"/>
                 </a:solidFill>
@@ -8614,7 +8576,7 @@
               <a:t> het </a:t>
             </a:r>
             <a:r>
-              <a:rPr lang="en-GB" sz="1800" dirty="0" err="1" smtClean="0">
+              <a:rPr lang="en-GB" sz="1800" dirty="0" err="1">
                 <a:solidFill>
                   <a:srgbClr val="3F3F3F"/>
                 </a:solidFill>
@@ -8624,7 +8586,7 @@
               <a:t>getal</a:t>
             </a:r>
             <a:r>
-              <a:rPr lang="en-GB" sz="1800" dirty="0" smtClean="0">
+              <a:rPr lang="en-GB" sz="1800" dirty="0">
                 <a:solidFill>
                   <a:srgbClr val="3F3F3F"/>
                 </a:solidFill>
@@ -8634,7 +8596,7 @@
               <a:t> </a:t>
             </a:r>
             <a:r>
-              <a:rPr lang="en-GB" sz="1800" dirty="0" err="1" smtClean="0">
+              <a:rPr lang="en-GB" sz="1800" dirty="0" err="1">
                 <a:solidFill>
                   <a:srgbClr val="3F3F3F"/>
                 </a:solidFill>
@@ -8644,7 +8606,7 @@
               <a:t>raden</a:t>
             </a:r>
             <a:r>
-              <a:rPr lang="en-GB" sz="1800" dirty="0" smtClean="0">
+              <a:rPr lang="en-GB" sz="1800" dirty="0">
                 <a:solidFill>
                   <a:srgbClr val="3F3F3F"/>
                 </a:solidFill>
@@ -8664,7 +8626,7 @@
           </a:p>
           <a:p>
             <a:r>
-              <a:rPr lang="en-GB" sz="1800" dirty="0" err="1" smtClean="0">
+              <a:rPr lang="en-GB" sz="1800" dirty="0" err="1">
                 <a:solidFill>
                   <a:srgbClr val="3F3F3F"/>
                 </a:solidFill>
@@ -8673,7 +8635,7 @@
               <a:t>Zet</a:t>
             </a:r>
             <a:r>
-              <a:rPr lang="en-GB" sz="1800" dirty="0" smtClean="0">
+              <a:rPr lang="en-GB" sz="1800" dirty="0">
                 <a:solidFill>
                   <a:srgbClr val="3F3F3F"/>
                 </a:solidFill>
@@ -8682,7 +8644,7 @@
               <a:t> in de flowchart in </a:t>
             </a:r>
             <a:r>
-              <a:rPr lang="en-GB" sz="1800" dirty="0" err="1" smtClean="0">
+              <a:rPr lang="en-GB" sz="1800" dirty="0" err="1">
                 <a:solidFill>
                   <a:srgbClr val="3F3F3F"/>
                 </a:solidFill>
@@ -8691,7 +8653,7 @@
               <a:t>stapjes</a:t>
             </a:r>
             <a:r>
-              <a:rPr lang="en-GB" sz="1800" dirty="0" smtClean="0">
+              <a:rPr lang="en-GB" sz="1800" dirty="0">
                 <a:solidFill>
                   <a:srgbClr val="3F3F3F"/>
                 </a:solidFill>
@@ -8700,7 +8662,7 @@
               <a:t> hoe die </a:t>
             </a:r>
             <a:r>
-              <a:rPr lang="en-GB" sz="1800" dirty="0" err="1" smtClean="0">
+              <a:rPr lang="en-GB" sz="1800" dirty="0" err="1">
                 <a:solidFill>
                   <a:srgbClr val="3F3F3F"/>
                 </a:solidFill>
@@ -8709,7 +8671,7 @@
               <a:t>slimme</a:t>
             </a:r>
             <a:r>
-              <a:rPr lang="en-GB" sz="1800" dirty="0" smtClean="0">
+              <a:rPr lang="en-GB" sz="1800" dirty="0">
                 <a:solidFill>
                   <a:srgbClr val="3F3F3F"/>
                 </a:solidFill>
@@ -8718,7 +8680,7 @@
               <a:t> </a:t>
             </a:r>
             <a:r>
-              <a:rPr lang="en-GB" sz="1800" dirty="0" err="1" smtClean="0">
+              <a:rPr lang="en-GB" sz="1800" dirty="0" err="1">
                 <a:solidFill>
                   <a:srgbClr val="3F3F3F"/>
                 </a:solidFill>
@@ -8727,7 +8689,7 @@
               <a:t>manier</a:t>
             </a:r>
             <a:r>
-              <a:rPr lang="en-GB" sz="1800" dirty="0" smtClean="0">
+              <a:rPr lang="en-GB" sz="1800" dirty="0">
                 <a:solidFill>
                   <a:srgbClr val="3F3F3F"/>
                 </a:solidFill>
@@ -8749,13 +8711,6 @@
   <p:clrMapOvr>
     <a:masterClrMapping/>
   </p:clrMapOvr>
-  <p:timing>
-    <p:tnLst>
-      <p:par>
-        <p:cTn id="1" dur="indefinite" restart="never" nodeType="tmRoot"/>
-      </p:par>
-    </p:tnLst>
-  </p:timing>
 </p:sld>
 </file>
 
@@ -9256,13 +9211,6 @@
   <p:clrMapOvr>
     <a:masterClrMapping/>
   </p:clrMapOvr>
-  <p:timing>
-    <p:tnLst>
-      <p:par>
-        <p:cTn id="1" dur="indefinite" restart="never" nodeType="tmRoot"/>
-      </p:par>
-    </p:tnLst>
-  </p:timing>
 </p:sld>
 </file>
 
@@ -9461,13 +9409,6 @@
   <p:clrMapOvr>
     <a:masterClrMapping/>
   </p:clrMapOvr>
-  <p:timing>
-    <p:tnLst>
-      <p:par>
-        <p:cTn id="1" dur="indefinite" restart="never" nodeType="tmRoot"/>
-      </p:par>
-    </p:tnLst>
-  </p:timing>
 </p:sld>
 </file>
 
@@ -9567,13 +9508,6 @@
   <p:clrMapOvr>
     <a:masterClrMapping/>
   </p:clrMapOvr>
-  <p:timing>
-    <p:tnLst>
-      <p:par>
-        <p:cTn id="1" dur="indefinite" restart="never" nodeType="tmRoot"/>
-      </p:par>
-    </p:tnLst>
-  </p:timing>
 </p:sld>
 </file>
 
@@ -9659,13 +9593,6 @@
   <p:clrMapOvr>
     <a:masterClrMapping/>
   </p:clrMapOvr>
-  <p:timing>
-    <p:tnLst>
-      <p:par>
-        <p:cTn id="1" dur="indefinite" restart="never" nodeType="tmRoot"/>
-      </p:par>
-    </p:tnLst>
-  </p:timing>
 </p:sld>
 </file>
 
@@ -9800,13 +9727,6 @@
   <p:clrMapOvr>
     <a:masterClrMapping/>
   </p:clrMapOvr>
-  <p:timing>
-    <p:tnLst>
-      <p:par>
-        <p:cTn id="1" dur="indefinite" restart="never" nodeType="tmRoot"/>
-      </p:par>
-    </p:tnLst>
-  </p:timing>
 </p:sld>
 </file>
 
@@ -10124,13 +10044,6 @@
   <p:clrMapOvr>
     <a:masterClrMapping/>
   </p:clrMapOvr>
-  <p:timing>
-    <p:tnLst>
-      <p:par>
-        <p:cTn id="1" dur="indefinite" restart="never" nodeType="tmRoot"/>
-      </p:par>
-    </p:tnLst>
-  </p:timing>
 </p:sld>
 </file>
 
@@ -10244,13 +10157,6 @@
   <p:clrMapOvr>
     <a:masterClrMapping/>
   </p:clrMapOvr>
-  <p:timing>
-    <p:tnLst>
-      <p:par>
-        <p:cTn id="1" dur="indefinite" restart="never" nodeType="tmRoot"/>
-      </p:par>
-    </p:tnLst>
-  </p:timing>
 </p:sld>
 </file>
 
@@ -11367,15 +11273,6 @@
 </file>
 
 <file path=customXml/item1.xml><?xml version="1.0" encoding="utf-8"?>
-<?mso-contentType ?>
-<FormTemplates xmlns="http://schemas.microsoft.com/sharepoint/v3/contenttype/forms">
-  <Display>DocumentLibraryForm</Display>
-  <Edit>DocumentLibraryForm</Edit>
-  <New>DocumentLibraryForm</New>
-</FormTemplates>
-</file>
-
-<file path=customXml/item2.xml><?xml version="1.0" encoding="utf-8"?>
 <ct:contentTypeSchema xmlns:ct="http://schemas.microsoft.com/office/2006/metadata/contentType" xmlns:ma="http://schemas.microsoft.com/office/2006/metadata/properties/metaAttributes" ct:_="" ma:_="" ma:contentTypeName="Document" ma:contentTypeID="0x0101004EE29C275B0330428D2BFA2C8D576F4B" ma:contentTypeVersion="0" ma:contentTypeDescription="Een nieuw document maken." ma:contentTypeScope="" ma:versionID="6f3e0ea117c09d99e40ae3b100a299dc">
   <xsd:schema xmlns:xsd="http://www.w3.org/2001/XMLSchema" xmlns:xs="http://www.w3.org/2001/XMLSchema" xmlns:p="http://schemas.microsoft.com/office/2006/metadata/properties" targetNamespace="http://schemas.microsoft.com/office/2006/metadata/properties" ma:root="true" ma:fieldsID="1978a156f712f99d6452530788f7ffe9">
     <xsd:element name="properties">
@@ -11489,6 +11386,15 @@
 </ct:contentTypeSchema>
 </file>
 
+<file path=customXml/item2.xml><?xml version="1.0" encoding="utf-8"?>
+<?mso-contentType ?>
+<FormTemplates xmlns="http://schemas.microsoft.com/sharepoint/v3/contenttype/forms">
+  <Display>DocumentLibraryForm</Display>
+  <Edit>DocumentLibraryForm</Edit>
+  <New>DocumentLibraryForm</New>
+</FormTemplates>
+</file>
+
 <file path=customXml/item3.xml><?xml version="1.0" encoding="utf-8"?>
 <p:properties xmlns:p="http://schemas.microsoft.com/office/2006/metadata/properties" xmlns:xsi="http://www.w3.org/2001/XMLSchema-instance" xmlns:pc="http://schemas.microsoft.com/office/infopath/2007/PartnerControls">
   <documentManagement/>
@@ -11496,14 +11402,6 @@
 </file>
 
 <file path=customXml/itemProps1.xml><?xml version="1.0" encoding="utf-8"?>
-<ds:datastoreItem xmlns:ds="http://schemas.openxmlformats.org/officeDocument/2006/customXml" ds:itemID="{C58370CC-8AF3-4E85-911D-3C7AD1FAAE10}">
-  <ds:schemaRefs>
-    <ds:schemaRef ds:uri="http://schemas.microsoft.com/sharepoint/v3/contenttype/forms"/>
-  </ds:schemaRefs>
-</ds:datastoreItem>
-</file>
-
-<file path=customXml/itemProps2.xml><?xml version="1.0" encoding="utf-8"?>
 <ds:datastoreItem xmlns:ds="http://schemas.openxmlformats.org/officeDocument/2006/customXml" ds:itemID="{7C812B3D-632E-45B1-BE3D-5F5FC6F96A1A}">
   <ds:schemaRefs>
     <ds:schemaRef ds:uri="http://schemas.microsoft.com/office/2006/metadata/contentType"/>
@@ -11515,6 +11413,14 @@
     <ds:schemaRef ds:uri="http://purl.org/dc/terms/"/>
     <ds:schemaRef ds:uri="http://schemas.microsoft.com/internal/obd"/>
     <ds:schemaRef ds:uri="http://schemas.microsoft.com/office/infopath/2007/PartnerControls"/>
+  </ds:schemaRefs>
+</ds:datastoreItem>
+</file>
+
+<file path=customXml/itemProps2.xml><?xml version="1.0" encoding="utf-8"?>
+<ds:datastoreItem xmlns:ds="http://schemas.openxmlformats.org/officeDocument/2006/customXml" ds:itemID="{C58370CC-8AF3-4E85-911D-3C7AD1FAAE10}">
+  <ds:schemaRefs>
+    <ds:schemaRef ds:uri="http://schemas.microsoft.com/sharepoint/v3/contenttype/forms"/>
   </ds:schemaRefs>
 </ds:datastoreItem>
 </file>
